--- a/PPTs/9.1.Special_variables_in _perl.pptx
+++ b/PPTs/9.1.Special_variables_in _perl.pptx
@@ -23,7 +23,8 @@
     <p:sldId id="281" r:id="rId17"/>
     <p:sldId id="263" r:id="rId18"/>
     <p:sldId id="282" r:id="rId19"/>
-    <p:sldId id="273" r:id="rId20"/>
+    <p:sldId id="286" r:id="rId20"/>
+    <p:sldId id="273" r:id="rId21"/>
   </p:sldIdLst>
   <p:sldSz cx="9144000" cy="5143500" type="screen16x9"/>
   <p:notesSz cx="6858000" cy="9144000"/>
@@ -314,7 +315,7 @@
             <a:fld id="{C8A432C8-69A7-458B-9684-2BFA64B31948}" type="datetime2">
               <a:rPr lang="en-US" smtClean="0"/>
               <a:pPr/>
-              <a:t>Thursday, June 08, 2017</a:t>
+              <a:t>Friday, June 09, 2017</a:t>
             </a:fld>
             <a:endParaRPr lang="en-US"/>
           </a:p>
@@ -517,7 +518,7 @@
             <a:fld id="{8CC057FC-95B6-4D89-AFDA-ABA33EE921E5}" type="datetime2">
               <a:rPr lang="en-US" smtClean="0"/>
               <a:pPr/>
-              <a:t>Thursday, June 08, 2017</a:t>
+              <a:t>Friday, June 09, 2017</a:t>
             </a:fld>
             <a:endParaRPr lang="en-US"/>
           </a:p>
@@ -695,7 +696,7 @@
             <a:fld id="{EC4549AC-EB31-477F-92A9-B1988E232878}" type="datetime2">
               <a:rPr lang="en-US" smtClean="0"/>
               <a:pPr/>
-              <a:t>Thursday, June 08, 2017</a:t>
+              <a:t>Friday, June 09, 2017</a:t>
             </a:fld>
             <a:endParaRPr lang="en-US"/>
           </a:p>
@@ -863,7 +864,7 @@
             <a:fld id="{6396A3A3-94A6-4E5B-AF39-173ACA3E61CC}" type="datetime2">
               <a:rPr lang="en-US" smtClean="0"/>
               <a:pPr/>
-              <a:t>Thursday, June 08, 2017</a:t>
+              <a:t>Friday, June 09, 2017</a:t>
             </a:fld>
             <a:endParaRPr lang="en-US"/>
           </a:p>
@@ -1114,7 +1115,7 @@
             <a:fld id="{9933D019-A32C-4EAD-B8E6-DBDA699692FD}" type="datetime2">
               <a:rPr lang="en-US" smtClean="0"/>
               <a:pPr/>
-              <a:t>Thursday, June 08, 2017</a:t>
+              <a:t>Friday, June 09, 2017</a:t>
             </a:fld>
             <a:endParaRPr lang="en-US"/>
           </a:p>
@@ -1435,7 +1436,7 @@
             <a:fld id="{CCEBA98F-560C-4997-81C4-81D4D9187EAB}" type="datetime2">
               <a:rPr lang="en-US" smtClean="0"/>
               <a:pPr/>
-              <a:t>Thursday, June 08, 2017</a:t>
+              <a:t>Friday, June 09, 2017</a:t>
             </a:fld>
             <a:endParaRPr lang="en-US"/>
           </a:p>
@@ -1904,7 +1905,7 @@
             <a:fld id="{150972B2-CA5C-437D-87D0-8081271A9E4B}" type="datetime2">
               <a:rPr lang="en-US" smtClean="0"/>
               <a:pPr/>
-              <a:t>Thursday, June 08, 2017</a:t>
+              <a:t>Friday, June 09, 2017</a:t>
             </a:fld>
             <a:endParaRPr lang="en-US"/>
           </a:p>
@@ -2055,7 +2056,7 @@
             <a:fld id="{79CD4847-11EF-4466-A8AD-85CDB7B49118}" type="datetime2">
               <a:rPr lang="en-US" smtClean="0"/>
               <a:pPr/>
-              <a:t>Thursday, June 08, 2017</a:t>
+              <a:t>Friday, June 09, 2017</a:t>
             </a:fld>
             <a:endParaRPr lang="en-US"/>
           </a:p>
@@ -2148,7 +2149,7 @@
             <a:fld id="{F168457A-3AB9-4880-8A0C-9F8524491207}" type="datetime2">
               <a:rPr lang="en-US" smtClean="0"/>
               <a:pPr/>
-              <a:t>Thursday, June 08, 2017</a:t>
+              <a:t>Friday, June 09, 2017</a:t>
             </a:fld>
             <a:endParaRPr lang="en-US"/>
           </a:p>
@@ -2425,7 +2426,7 @@
             <a:fld id="{3FE976D3-5B7F-4300-ABED-C91F1B2AE209}" type="datetime2">
               <a:rPr lang="en-US" smtClean="0"/>
               <a:pPr/>
-              <a:t>Thursday, June 08, 2017</a:t>
+              <a:t>Friday, June 09, 2017</a:t>
             </a:fld>
             <a:endParaRPr lang="en-US"/>
           </a:p>
@@ -2733,7 +2734,7 @@
             <a:fld id="{EBDC1E59-17DD-41CE-97CA-624A472382D4}" type="datetime2">
               <a:rPr lang="en-US" smtClean="0"/>
               <a:pPr/>
-              <a:t>Thursday, June 08, 2017</a:t>
+              <a:t>Friday, June 09, 2017</a:t>
             </a:fld>
             <a:endParaRPr lang="en-US"/>
           </a:p>
@@ -3034,7 +3035,7 @@
             <a:fld id="{A80CB818-7379-467D-8E76-EF9D9074A26C}" type="datetime2">
               <a:rPr lang="en-US" smtClean="0"/>
               <a:pPr/>
-              <a:t>Thursday, June 08, 2017</a:t>
+              <a:t>Friday, June 09, 2017</a:t>
             </a:fld>
             <a:endParaRPr lang="en-US" dirty="0"/>
           </a:p>
@@ -3484,7 +3485,7 @@
     </p:spTree>
     <p:extLst>
       <p:ext uri="{BB962C8B-B14F-4D97-AF65-F5344CB8AC3E}">
-        <p14:creationId xmlns:p14="http://schemas.microsoft.com/office/powerpoint/2010/main" xmlns="" val="182139768"/>
+        <p14:creationId xmlns="" xmlns:p14="http://schemas.microsoft.com/office/powerpoint/2010/main" val="182139768"/>
       </p:ext>
     </p:extLst>
   </p:cSld>
@@ -10405,19 +10406,7 @@
                 </a:highlight>
                 <a:latin typeface="Courier New"/>
               </a:rPr>
-              <a:t>## filter lines containing gene tag from Gff3 </a:t>
-            </a:r>
-            <a:r>
-              <a:rPr lang="en-US" dirty="0" smtClean="0">
-                <a:solidFill>
-                  <a:srgbClr val="008000"/>
-                </a:solidFill>
-                <a:highlight>
-                  <a:srgbClr val="FFFFFF"/>
-                </a:highlight>
-                <a:latin typeface="Courier New"/>
-              </a:rPr>
-              <a:t>file</a:t>
+              <a:t>## filter lines containing gene tag from Gff3 file</a:t>
             </a:r>
             <a:endParaRPr lang="en-US" dirty="0" smtClean="0">
               <a:solidFill>
@@ -11788,7 +11777,57 @@
                 </a:highlight>
                 <a:latin typeface="Courier New"/>
               </a:rPr>
-              <a:t>"\</a:t>
+              <a:t>"\t"</a:t>
+            </a:r>
+            <a:r>
+              <a:rPr lang="en-US" b="1" dirty="0" smtClean="0">
+                <a:solidFill>
+                  <a:srgbClr val="000080"/>
+                </a:solidFill>
+                <a:highlight>
+                  <a:srgbClr val="FFFFFF"/>
+                </a:highlight>
+                <a:latin typeface="Courier New"/>
+              </a:rPr>
+              <a:t>;</a:t>
+            </a:r>
+            <a:r>
+              <a:rPr lang="en-US" b="1" dirty="0" smtClean="0">
+                <a:solidFill>
+                  <a:srgbClr val="FF0000"/>
+                </a:solidFill>
+                <a:highlight>
+                  <a:srgbClr val="FFFFFF"/>
+                </a:highlight>
+                <a:latin typeface="Courier New"/>
+              </a:rPr>
+              <a:t> </a:t>
+            </a:r>
+          </a:p>
+          <a:p>
+            <a:r>
+              <a:rPr lang="en-US" b="1" dirty="0" smtClean="0">
+                <a:solidFill>
+                  <a:srgbClr val="0000FF"/>
+                </a:solidFill>
+                <a:highlight>
+                  <a:srgbClr val="FFFFFF"/>
+                </a:highlight>
+                <a:latin typeface="Courier New"/>
+              </a:rPr>
+              <a:t>print</a:t>
+            </a:r>
+            <a:r>
+              <a:rPr lang="en-US" b="1" dirty="0" smtClean="0">
+                <a:solidFill>
+                  <a:srgbClr val="FF0000"/>
+                </a:solidFill>
+                <a:highlight>
+                  <a:srgbClr val="FFFFFF"/>
+                </a:highlight>
+                <a:latin typeface="Courier New"/>
+              </a:rPr>
+              <a:t> </a:t>
             </a:r>
             <a:r>
               <a:rPr lang="en-US" b="1" dirty="0" smtClean="0">
@@ -11800,7 +11839,79 @@
                 </a:highlight>
                 <a:latin typeface="Courier New"/>
               </a:rPr>
-              <a:t>t"</a:t>
+              <a:t>"</a:t>
+            </a:r>
+            <a:r>
+              <a:rPr lang="en-US" b="1" dirty="0" smtClean="0">
+                <a:solidFill>
+                  <a:srgbClr val="000000"/>
+                </a:solidFill>
+                <a:highlight>
+                  <a:srgbClr val="FFFFFF"/>
+                </a:highlight>
+                <a:latin typeface="Courier New"/>
+              </a:rPr>
+              <a:t>@record</a:t>
+            </a:r>
+            <a:r>
+              <a:rPr lang="en-US" b="1" dirty="0" smtClean="0">
+                <a:solidFill>
+                  <a:srgbClr val="808080"/>
+                </a:solidFill>
+                <a:highlight>
+                  <a:srgbClr val="FFFFFF"/>
+                </a:highlight>
+                <a:latin typeface="Courier New"/>
+              </a:rPr>
+              <a:t>"</a:t>
+            </a:r>
+            <a:r>
+              <a:rPr lang="en-US" b="1" dirty="0" smtClean="0">
+                <a:solidFill>
+                  <a:srgbClr val="FF0000"/>
+                </a:solidFill>
+                <a:highlight>
+                  <a:srgbClr val="FFFFFF"/>
+                </a:highlight>
+                <a:latin typeface="Courier New"/>
+              </a:rPr>
+              <a:t> </a:t>
+            </a:r>
+            <a:r>
+              <a:rPr lang="en-US" b="1" dirty="0" smtClean="0">
+                <a:solidFill>
+                  <a:srgbClr val="0000FF"/>
+                </a:solidFill>
+                <a:highlight>
+                  <a:srgbClr val="FFFFFF"/>
+                </a:highlight>
+                <a:latin typeface="Courier New"/>
+              </a:rPr>
+              <a:t>if</a:t>
+            </a:r>
+            <a:r>
+              <a:rPr lang="en-US" b="1" dirty="0" smtClean="0">
+                <a:solidFill>
+                  <a:srgbClr val="FF0000"/>
+                </a:solidFill>
+                <a:highlight>
+                  <a:srgbClr val="FFFFFF"/>
+                </a:highlight>
+                <a:latin typeface="Courier New"/>
+              </a:rPr>
+              <a:t> </a:t>
+            </a:r>
+            <a:r>
+              <a:rPr lang="en-US" b="1" dirty="0" smtClean="0">
+                <a:solidFill>
+                  <a:srgbClr val="FF8000"/>
+                </a:solidFill>
+                <a:highlight>
+                  <a:srgbClr val="FFFFFF"/>
+                </a:highlight>
+                <a:latin typeface="Courier New"/>
+              </a:rPr>
+              <a:t>$record</a:t>
             </a:r>
             <a:r>
               <a:rPr lang="en-US" b="1" dirty="0" smtClean="0">
@@ -11812,19 +11923,91 @@
                 </a:highlight>
                 <a:latin typeface="Courier New"/>
               </a:rPr>
+              <a:t>[</a:t>
+            </a:r>
+            <a:r>
+              <a:rPr lang="en-US" b="1" dirty="0" smtClean="0">
+                <a:solidFill>
+                  <a:srgbClr val="FF0000"/>
+                </a:solidFill>
+                <a:highlight>
+                  <a:srgbClr val="FFFFFF"/>
+                </a:highlight>
+                <a:latin typeface="Courier New"/>
+              </a:rPr>
+              <a:t>2</a:t>
+            </a:r>
+            <a:r>
+              <a:rPr lang="en-US" b="1" dirty="0" smtClean="0">
+                <a:solidFill>
+                  <a:srgbClr val="000080"/>
+                </a:solidFill>
+                <a:highlight>
+                  <a:srgbClr val="FFFFFF"/>
+                </a:highlight>
+                <a:latin typeface="Courier New"/>
+              </a:rPr>
+              <a:t>]</a:t>
+            </a:r>
+            <a:r>
+              <a:rPr lang="en-US" b="1" dirty="0" smtClean="0">
+                <a:solidFill>
+                  <a:srgbClr val="FF0000"/>
+                </a:solidFill>
+                <a:highlight>
+                  <a:srgbClr val="FFFFFF"/>
+                </a:highlight>
+                <a:latin typeface="Courier New"/>
+              </a:rPr>
+              <a:t> </a:t>
+            </a:r>
+            <a:r>
+              <a:rPr lang="en-US" b="1" dirty="0" err="1" smtClean="0">
+                <a:solidFill>
+                  <a:srgbClr val="0000FF"/>
+                </a:solidFill>
+                <a:highlight>
+                  <a:srgbClr val="FFFFFF"/>
+                </a:highlight>
+                <a:latin typeface="Courier New"/>
+              </a:rPr>
+              <a:t>eq</a:t>
+            </a:r>
+            <a:r>
+              <a:rPr lang="en-US" b="1" dirty="0" smtClean="0">
+                <a:solidFill>
+                  <a:srgbClr val="FF0000"/>
+                </a:solidFill>
+                <a:highlight>
+                  <a:srgbClr val="FFFFFF"/>
+                </a:highlight>
+                <a:latin typeface="Courier New"/>
+              </a:rPr>
+              <a:t> </a:t>
+            </a:r>
+            <a:r>
+              <a:rPr lang="en-US" b="1" dirty="0" smtClean="0">
+                <a:solidFill>
+                  <a:srgbClr val="808080"/>
+                </a:solidFill>
+                <a:highlight>
+                  <a:srgbClr val="FFFFFF"/>
+                </a:highlight>
+                <a:latin typeface="Courier New"/>
+              </a:rPr>
+              <a:t>'gene'</a:t>
+            </a:r>
+            <a:r>
+              <a:rPr lang="en-US" b="1" dirty="0" smtClean="0">
+                <a:solidFill>
+                  <a:srgbClr val="000080"/>
+                </a:solidFill>
+                <a:highlight>
+                  <a:srgbClr val="FFFFFF"/>
+                </a:highlight>
+                <a:latin typeface="Courier New"/>
+              </a:rPr>
               <a:t>;</a:t>
-            </a:r>
-            <a:r>
-              <a:rPr lang="en-US" b="1" dirty="0" smtClean="0">
-                <a:solidFill>
-                  <a:srgbClr val="FF0000"/>
-                </a:solidFill>
-                <a:highlight>
-                  <a:srgbClr val="FFFFFF"/>
-                </a:highlight>
-                <a:latin typeface="Courier New"/>
-              </a:rPr>
-              <a:t> </a:t>
             </a:r>
             <a:endParaRPr lang="en-US" b="1" dirty="0" smtClean="0">
               <a:solidFill>
@@ -11838,303 +12021,55 @@
           </a:p>
           <a:p>
             <a:r>
-              <a:rPr lang="en-US" b="1" dirty="0" smtClean="0">
-                <a:solidFill>
-                  <a:srgbClr val="0000FF"/>
+              <a:rPr lang="en-US" dirty="0" smtClean="0">
+                <a:solidFill>
+                  <a:srgbClr val="008000"/>
                 </a:solidFill>
                 <a:highlight>
                   <a:srgbClr val="FFFFFF"/>
                 </a:highlight>
                 <a:latin typeface="Courier New"/>
               </a:rPr>
-              <a:t>print</a:t>
-            </a:r>
-            <a:r>
-              <a:rPr lang="en-US" b="1" dirty="0" smtClean="0">
-                <a:solidFill>
-                  <a:srgbClr val="FF0000"/>
+              <a:t>#$,="\t";</a:t>
+            </a:r>
+          </a:p>
+          <a:p>
+            <a:r>
+              <a:rPr lang="en-US" dirty="0" smtClean="0">
+                <a:solidFill>
+                  <a:srgbClr val="008000"/>
                 </a:solidFill>
                 <a:highlight>
                   <a:srgbClr val="FFFFFF"/>
                 </a:highlight>
                 <a:latin typeface="Courier New"/>
               </a:rPr>
-              <a:t> </a:t>
-            </a:r>
-            <a:r>
-              <a:rPr lang="en-US" b="1" dirty="0" smtClean="0">
-                <a:solidFill>
-                  <a:srgbClr val="808080"/>
+              <a:t>#print @record if $record[2] </a:t>
+            </a:r>
+            <a:r>
+              <a:rPr lang="en-US" dirty="0" err="1" smtClean="0">
+                <a:solidFill>
+                  <a:srgbClr val="008000"/>
                 </a:solidFill>
                 <a:highlight>
                   <a:srgbClr val="FFFFFF"/>
                 </a:highlight>
                 <a:latin typeface="Courier New"/>
               </a:rPr>
-              <a:t>"</a:t>
-            </a:r>
-            <a:r>
-              <a:rPr lang="en-US" b="1" dirty="0" smtClean="0">
-                <a:solidFill>
-                  <a:srgbClr val="000000"/>
+              <a:t>eq</a:t>
+            </a:r>
+            <a:r>
+              <a:rPr lang="en-US" dirty="0" smtClean="0">
+                <a:solidFill>
+                  <a:srgbClr val="008000"/>
                 </a:solidFill>
                 <a:highlight>
                   <a:srgbClr val="FFFFFF"/>
                 </a:highlight>
                 <a:latin typeface="Courier New"/>
               </a:rPr>
-              <a:t>@record</a:t>
-            </a:r>
-            <a:r>
-              <a:rPr lang="en-US" b="1" dirty="0" smtClean="0">
-                <a:solidFill>
-                  <a:srgbClr val="808080"/>
-                </a:solidFill>
-                <a:highlight>
-                  <a:srgbClr val="FFFFFF"/>
-                </a:highlight>
-                <a:latin typeface="Courier New"/>
-              </a:rPr>
-              <a:t>"</a:t>
-            </a:r>
-            <a:r>
-              <a:rPr lang="en-US" b="1" dirty="0" smtClean="0">
-                <a:solidFill>
-                  <a:srgbClr val="FF0000"/>
-                </a:solidFill>
-                <a:highlight>
-                  <a:srgbClr val="FFFFFF"/>
-                </a:highlight>
-                <a:latin typeface="Courier New"/>
-              </a:rPr>
-              <a:t> </a:t>
-            </a:r>
-            <a:r>
-              <a:rPr lang="en-US" b="1" dirty="0" smtClean="0">
-                <a:solidFill>
-                  <a:srgbClr val="0000FF"/>
-                </a:solidFill>
-                <a:highlight>
-                  <a:srgbClr val="FFFFFF"/>
-                </a:highlight>
-                <a:latin typeface="Courier New"/>
-              </a:rPr>
-              <a:t>if</a:t>
-            </a:r>
-            <a:r>
-              <a:rPr lang="en-US" b="1" dirty="0" smtClean="0">
-                <a:solidFill>
-                  <a:srgbClr val="FF0000"/>
-                </a:solidFill>
-                <a:highlight>
-                  <a:srgbClr val="FFFFFF"/>
-                </a:highlight>
-                <a:latin typeface="Courier New"/>
-              </a:rPr>
-              <a:t> </a:t>
-            </a:r>
-            <a:r>
-              <a:rPr lang="en-US" b="1" dirty="0" smtClean="0">
-                <a:solidFill>
-                  <a:srgbClr val="FF8000"/>
-                </a:solidFill>
-                <a:highlight>
-                  <a:srgbClr val="FFFFFF"/>
-                </a:highlight>
-                <a:latin typeface="Courier New"/>
-              </a:rPr>
-              <a:t>$record</a:t>
-            </a:r>
-            <a:r>
-              <a:rPr lang="en-US" b="1" dirty="0" smtClean="0">
-                <a:solidFill>
-                  <a:srgbClr val="000080"/>
-                </a:solidFill>
-                <a:highlight>
-                  <a:srgbClr val="FFFFFF"/>
-                </a:highlight>
-                <a:latin typeface="Courier New"/>
-              </a:rPr>
-              <a:t>[</a:t>
-            </a:r>
-            <a:r>
-              <a:rPr lang="en-US" b="1" dirty="0" smtClean="0">
-                <a:solidFill>
-                  <a:srgbClr val="FF0000"/>
-                </a:solidFill>
-                <a:highlight>
-                  <a:srgbClr val="FFFFFF"/>
-                </a:highlight>
-                <a:latin typeface="Courier New"/>
-              </a:rPr>
-              <a:t>2</a:t>
-            </a:r>
-            <a:r>
-              <a:rPr lang="en-US" b="1" dirty="0" smtClean="0">
-                <a:solidFill>
-                  <a:srgbClr val="000080"/>
-                </a:solidFill>
-                <a:highlight>
-                  <a:srgbClr val="FFFFFF"/>
-                </a:highlight>
-                <a:latin typeface="Courier New"/>
-              </a:rPr>
-              <a:t>]</a:t>
-            </a:r>
-            <a:r>
-              <a:rPr lang="en-US" b="1" dirty="0" smtClean="0">
-                <a:solidFill>
-                  <a:srgbClr val="FF0000"/>
-                </a:solidFill>
-                <a:highlight>
-                  <a:srgbClr val="FFFFFF"/>
-                </a:highlight>
-                <a:latin typeface="Courier New"/>
-              </a:rPr>
-              <a:t> </a:t>
-            </a:r>
-            <a:r>
-              <a:rPr lang="en-US" b="1" dirty="0" err="1" smtClean="0">
-                <a:solidFill>
-                  <a:srgbClr val="0000FF"/>
-                </a:solidFill>
-                <a:highlight>
-                  <a:srgbClr val="FFFFFF"/>
-                </a:highlight>
-                <a:latin typeface="Courier New"/>
-              </a:rPr>
-              <a:t>eq</a:t>
-            </a:r>
-            <a:r>
-              <a:rPr lang="en-US" b="1" dirty="0" smtClean="0">
-                <a:solidFill>
-                  <a:srgbClr val="FF0000"/>
-                </a:solidFill>
-                <a:highlight>
-                  <a:srgbClr val="FFFFFF"/>
-                </a:highlight>
-                <a:latin typeface="Courier New"/>
-              </a:rPr>
-              <a:t> </a:t>
-            </a:r>
-            <a:r>
-              <a:rPr lang="en-US" b="1" dirty="0" smtClean="0">
-                <a:solidFill>
-                  <a:srgbClr val="808080"/>
-                </a:solidFill>
-                <a:highlight>
-                  <a:srgbClr val="FFFFFF"/>
-                </a:highlight>
-                <a:latin typeface="Courier New"/>
-              </a:rPr>
-              <a:t>'gene'</a:t>
-            </a:r>
-            <a:r>
-              <a:rPr lang="en-US" b="1" dirty="0" smtClean="0">
-                <a:solidFill>
-                  <a:srgbClr val="000080"/>
-                </a:solidFill>
-                <a:highlight>
-                  <a:srgbClr val="FFFFFF"/>
-                </a:highlight>
-                <a:latin typeface="Courier New"/>
-              </a:rPr>
-              <a:t>;</a:t>
-            </a:r>
-            <a:endParaRPr lang="en-US" b="1" dirty="0" smtClean="0">
-              <a:solidFill>
-                <a:srgbClr val="FF0000"/>
-              </a:solidFill>
-              <a:highlight>
-                <a:srgbClr val="FFFFFF"/>
-              </a:highlight>
-              <a:latin typeface="Courier New"/>
-            </a:endParaRPr>
-          </a:p>
-          <a:p>
-            <a:r>
-              <a:rPr lang="en-US" dirty="0" smtClean="0">
-                <a:solidFill>
-                  <a:srgbClr val="008000"/>
-                </a:solidFill>
-                <a:highlight>
-                  <a:srgbClr val="FFFFFF"/>
-                </a:highlight>
-                <a:latin typeface="Courier New"/>
-              </a:rPr>
-              <a:t>#$,="\t</a:t>
-            </a:r>
-            <a:r>
-              <a:rPr lang="en-US" dirty="0" smtClean="0">
-                <a:solidFill>
-                  <a:srgbClr val="008000"/>
-                </a:solidFill>
-                <a:highlight>
-                  <a:srgbClr val="FFFFFF"/>
-                </a:highlight>
-                <a:latin typeface="Courier New"/>
-              </a:rPr>
-              <a:t>"</a:t>
-            </a:r>
-            <a:r>
-              <a:rPr lang="en-US" dirty="0" smtClean="0">
-                <a:solidFill>
-                  <a:srgbClr val="008000"/>
-                </a:solidFill>
-                <a:highlight>
-                  <a:srgbClr val="FFFFFF"/>
-                </a:highlight>
-                <a:latin typeface="Courier New"/>
-              </a:rPr>
-              <a:t>;</a:t>
-            </a:r>
-          </a:p>
-          <a:p>
-            <a:r>
-              <a:rPr lang="en-US" dirty="0" smtClean="0">
-                <a:solidFill>
-                  <a:srgbClr val="008000"/>
-                </a:solidFill>
-                <a:highlight>
-                  <a:srgbClr val="FFFFFF"/>
-                </a:highlight>
-                <a:latin typeface="Courier New"/>
-              </a:rPr>
-              <a:t>#print @record if $record[2] </a:t>
-            </a:r>
-            <a:r>
-              <a:rPr lang="en-US" dirty="0" err="1" smtClean="0">
-                <a:solidFill>
-                  <a:srgbClr val="008000"/>
-                </a:solidFill>
-                <a:highlight>
-                  <a:srgbClr val="FFFFFF"/>
-                </a:highlight>
-                <a:latin typeface="Courier New"/>
-              </a:rPr>
-              <a:t>eq</a:t>
-            </a:r>
-            <a:r>
-              <a:rPr lang="en-US" dirty="0" smtClean="0">
-                <a:solidFill>
-                  <a:srgbClr val="008000"/>
-                </a:solidFill>
-                <a:highlight>
-                  <a:srgbClr val="FFFFFF"/>
-                </a:highlight>
-                <a:latin typeface="Courier New"/>
-              </a:rPr>
               <a:t> 'gene';</a:t>
             </a:r>
-            <a:endParaRPr lang="en-US" dirty="0" smtClean="0">
-              <a:solidFill>
-                <a:srgbClr val="008000"/>
-              </a:solidFill>
-              <a:highlight>
-                <a:srgbClr val="FFFFFF"/>
-              </a:highlight>
-              <a:latin typeface="Courier New"/>
-            </a:endParaRPr>
           </a:p>
           <a:p>
             <a:r>
@@ -12236,6 +12171,108 @@
 </file>
 
 <file path=ppt/slides/slide19.xml><?xml version="1.0" encoding="utf-8"?>
+<p:sld xmlns:a="http://schemas.openxmlformats.org/drawingml/2006/main" xmlns:r="http://schemas.openxmlformats.org/officeDocument/2006/relationships" xmlns:p="http://schemas.openxmlformats.org/presentationml/2006/main">
+  <p:cSld>
+    <p:spTree>
+      <p:nvGrpSpPr>
+        <p:cNvPr id="1" name=""/>
+        <p:cNvGrpSpPr/>
+        <p:nvPr/>
+      </p:nvGrpSpPr>
+      <p:grpSpPr>
+        <a:xfrm>
+          <a:off x="0" y="0"/>
+          <a:ext cx="0" cy="0"/>
+          <a:chOff x="0" y="0"/>
+          <a:chExt cx="0" cy="0"/>
+        </a:xfrm>
+      </p:grpSpPr>
+    </p:spTree>
+  </p:cSld>
+  <p:clrMapOvr>
+    <a:masterClrMapping/>
+  </p:clrMapOvr>
+</p:sld>
+</file>
+
+<file path=ppt/slides/slide2.xml><?xml version="1.0" encoding="utf-8"?>
+<p:sld xmlns:a="http://schemas.openxmlformats.org/drawingml/2006/main" xmlns:r="http://schemas.openxmlformats.org/officeDocument/2006/relationships" xmlns:p="http://schemas.openxmlformats.org/presentationml/2006/main">
+  <p:cSld>
+    <p:spTree>
+      <p:nvGrpSpPr>
+        <p:cNvPr id="1" name=""/>
+        <p:cNvGrpSpPr/>
+        <p:nvPr/>
+      </p:nvGrpSpPr>
+      <p:grpSpPr>
+        <a:xfrm>
+          <a:off x="0" y="0"/>
+          <a:ext cx="0" cy="0"/>
+          <a:chOff x="0" y="0"/>
+          <a:chExt cx="0" cy="0"/>
+        </a:xfrm>
+      </p:grpSpPr>
+      <p:sp>
+        <p:nvSpPr>
+          <p:cNvPr id="2" name="Title 1"/>
+          <p:cNvSpPr>
+            <a:spLocks noGrp="1"/>
+          </p:cNvSpPr>
+          <p:nvPr>
+            <p:ph type="title"/>
+          </p:nvPr>
+        </p:nvSpPr>
+        <p:spPr/>
+        <p:txBody>
+          <a:bodyPr/>
+          <a:lstStyle/>
+          <a:p>
+            <a:r>
+              <a:rPr lang="pt-BR" dirty="0" smtClean="0"/>
+              <a:t>Learning Objectives</a:t>
+            </a:r>
+            <a:endParaRPr lang="en-US" dirty="0"/>
+          </a:p>
+        </p:txBody>
+      </p:sp>
+      <p:sp>
+        <p:nvSpPr>
+          <p:cNvPr id="3" name="Content Placeholder 2"/>
+          <p:cNvSpPr>
+            <a:spLocks noGrp="1"/>
+          </p:cNvSpPr>
+          <p:nvPr>
+            <p:ph idx="1"/>
+          </p:nvPr>
+        </p:nvSpPr>
+        <p:spPr/>
+        <p:txBody>
+          <a:bodyPr/>
+          <a:lstStyle/>
+          <a:p>
+            <a:r>
+              <a:rPr lang="pt-BR" dirty="0" smtClean="0"/>
+              <a:t>Commonly used special variables </a:t>
+            </a:r>
+          </a:p>
+          <a:p>
+            <a:r>
+              <a:rPr lang="pt-BR" smtClean="0"/>
+              <a:t>Examples</a:t>
+            </a:r>
+            <a:endParaRPr lang="en-US" dirty="0"/>
+          </a:p>
+        </p:txBody>
+      </p:sp>
+    </p:spTree>
+  </p:cSld>
+  <p:clrMapOvr>
+    <a:masterClrMapping/>
+  </p:clrMapOvr>
+</p:sld>
+</file>
+
+<file path=ppt/slides/slide20.xml><?xml version="1.0" encoding="utf-8"?>
 <p:sld xmlns:a="http://schemas.openxmlformats.org/drawingml/2006/main" xmlns:r="http://schemas.openxmlformats.org/officeDocument/2006/relationships" xmlns:p="http://schemas.openxmlformats.org/presentationml/2006/main">
   <p:cSld>
     <p:spTree>
@@ -12387,83 +12424,6 @@
       </p:par>
     </p:tnLst>
   </p:timing>
-</p:sld>
-</file>
-
-<file path=ppt/slides/slide2.xml><?xml version="1.0" encoding="utf-8"?>
-<p:sld xmlns:a="http://schemas.openxmlformats.org/drawingml/2006/main" xmlns:r="http://schemas.openxmlformats.org/officeDocument/2006/relationships" xmlns:p="http://schemas.openxmlformats.org/presentationml/2006/main">
-  <p:cSld>
-    <p:spTree>
-      <p:nvGrpSpPr>
-        <p:cNvPr id="1" name=""/>
-        <p:cNvGrpSpPr/>
-        <p:nvPr/>
-      </p:nvGrpSpPr>
-      <p:grpSpPr>
-        <a:xfrm>
-          <a:off x="0" y="0"/>
-          <a:ext cx="0" cy="0"/>
-          <a:chOff x="0" y="0"/>
-          <a:chExt cx="0" cy="0"/>
-        </a:xfrm>
-      </p:grpSpPr>
-      <p:sp>
-        <p:nvSpPr>
-          <p:cNvPr id="2" name="Title 1"/>
-          <p:cNvSpPr>
-            <a:spLocks noGrp="1"/>
-          </p:cNvSpPr>
-          <p:nvPr>
-            <p:ph type="title"/>
-          </p:nvPr>
-        </p:nvSpPr>
-        <p:spPr/>
-        <p:txBody>
-          <a:bodyPr/>
-          <a:lstStyle/>
-          <a:p>
-            <a:r>
-              <a:rPr lang="pt-BR" dirty="0" smtClean="0"/>
-              <a:t>Learning Objectives</a:t>
-            </a:r>
-            <a:endParaRPr lang="en-US" dirty="0"/>
-          </a:p>
-        </p:txBody>
-      </p:sp>
-      <p:sp>
-        <p:nvSpPr>
-          <p:cNvPr id="3" name="Content Placeholder 2"/>
-          <p:cNvSpPr>
-            <a:spLocks noGrp="1"/>
-          </p:cNvSpPr>
-          <p:nvPr>
-            <p:ph idx="1"/>
-          </p:nvPr>
-        </p:nvSpPr>
-        <p:spPr/>
-        <p:txBody>
-          <a:bodyPr/>
-          <a:lstStyle/>
-          <a:p>
-            <a:r>
-              <a:rPr lang="pt-BR" dirty="0" smtClean="0"/>
-              <a:t>Commonly used special variables </a:t>
-            </a:r>
-          </a:p>
-          <a:p>
-            <a:r>
-              <a:rPr lang="pt-BR" smtClean="0"/>
-              <a:t>Examples</a:t>
-            </a:r>
-            <a:endParaRPr lang="en-US" dirty="0"/>
-          </a:p>
-        </p:txBody>
-      </p:sp>
-    </p:spTree>
-  </p:cSld>
-  <p:clrMapOvr>
-    <a:masterClrMapping/>
-  </p:clrMapOvr>
 </p:sld>
 </file>
 
